--- a/units/3/lessons/1/resources/petascale-lesson-3.1-slides.pptx
+++ b/units/3/lessons/1/resources/petascale-lesson-3.1-slides.pptx
@@ -10,7 +10,7 @@
   </p:notesMasterIdLst>
   <p:sldIdLst>
     <p:sldId id="272" r:id="rId3"/>
-    <p:sldId id="273" r:id="rId4"/>
+    <p:sldId id="274" r:id="rId4"/>
     <p:sldId id="257" r:id="rId5"/>
     <p:sldId id="258" r:id="rId6"/>
     <p:sldId id="259" r:id="rId7"/>
@@ -259,8 +259,11 @@
     </a:lvl9pPr>
   </p:defaultTextStyle>
   <p:extLst>
+    <p:ext uri="{EFAFB233-063F-42B5-8137-9DF3F51BA10A}">
+      <p15:sldGuideLst xmlns:p15="http://schemas.microsoft.com/office/powerpoint/2012/main"/>
+    </p:ext>
     <p:ext uri="http://customooxmlschemas.google.com/">
-      <go:slidesCustomData xmlns:go="http://customooxmlschemas.google.com/" xmlns:p15="http://schemas.microsoft.com/office/powerpoint/2012/main" xmlns:p14="http://schemas.microsoft.com/office/powerpoint/2010/main" xmlns:com="http://schemas.openxmlformats.org/drawingml/2006/compatibility" xmlns:pvml="urn:schemas-microsoft-com:office:powerpoint" xmlns:v="urn:schemas-microsoft-com:vml" xmlns:o="urn:schemas-microsoft-com:office:office" xmlns:dgm="http://schemas.openxmlformats.org/drawingml/2006/diagram" xmlns:c="http://schemas.openxmlformats.org/drawingml/2006/chart" xmlns:mv="urn:schemas-microsoft-com:mac:vml" xmlns:mc="http://schemas.openxmlformats.org/markup-compatibility/2006" xmlns="" roundtripDataSignature="AMtx7mhumN5IatG7eK4ZntBHKVCz35wY2Q==" r:id="rId22"/>
+      <go:slidesCustomData xmlns="" xmlns:mc="http://schemas.openxmlformats.org/markup-compatibility/2006" xmlns:mv="urn:schemas-microsoft-com:mac:vml" xmlns:c="http://schemas.openxmlformats.org/drawingml/2006/chart" xmlns:dgm="http://schemas.openxmlformats.org/drawingml/2006/diagram" xmlns:o="urn:schemas-microsoft-com:office:office" xmlns:v="urn:schemas-microsoft-com:vml" xmlns:pvml="urn:schemas-microsoft-com:office:powerpoint" xmlns:com="http://schemas.openxmlformats.org/drawingml/2006/compatibility" xmlns:p14="http://schemas.microsoft.com/office/powerpoint/2010/main" xmlns:p15="http://schemas.microsoft.com/office/powerpoint/2012/main" xmlns:go="http://customooxmlschemas.google.com/" roundtripDataSignature="AMtx7mhumN5IatG7eK4ZntBHKVCz35wY2Q==" r:id="rId22"/>
     </p:ext>
   </p:extLst>
 </p:presentation>
@@ -4675,7 +4678,7 @@
                 </a:solidFill>
               </a:rPr>
               <a:pPr/>
-              <a:t>9/12/20</a:t>
+              <a:t>10/11/20</a:t>
             </a:fld>
             <a:endParaRPr lang="en-US">
               <a:solidFill>
@@ -4873,7 +4876,7 @@
                 </a:solidFill>
               </a:rPr>
               <a:pPr/>
-              <a:t>9/12/20</a:t>
+              <a:t>10/11/20</a:t>
             </a:fld>
             <a:endParaRPr lang="en-US">
               <a:solidFill>
@@ -5147,7 +5150,7 @@
                 </a:solidFill>
               </a:rPr>
               <a:pPr/>
-              <a:t>9/12/20</a:t>
+              <a:t>10/11/20</a:t>
             </a:fld>
             <a:endParaRPr lang="en-US">
               <a:solidFill>
@@ -5407,7 +5410,7 @@
                 </a:solidFill>
               </a:rPr>
               <a:pPr/>
-              <a:t>9/12/20</a:t>
+              <a:t>10/11/20</a:t>
             </a:fld>
             <a:endParaRPr lang="en-US">
               <a:solidFill>
@@ -5802,7 +5805,7 @@
                 </a:solidFill>
               </a:rPr>
               <a:pPr/>
-              <a:t>9/12/20</a:t>
+              <a:t>10/11/20</a:t>
             </a:fld>
             <a:endParaRPr lang="en-US">
               <a:solidFill>
@@ -5948,7 +5951,7 @@
                 </a:solidFill>
               </a:rPr>
               <a:pPr/>
-              <a:t>9/12/20</a:t>
+              <a:t>10/11/20</a:t>
             </a:fld>
             <a:endParaRPr lang="en-US">
               <a:solidFill>
@@ -6071,7 +6074,7 @@
                 </a:solidFill>
               </a:rPr>
               <a:pPr/>
-              <a:t>9/12/20</a:t>
+              <a:t>10/11/20</a:t>
             </a:fld>
             <a:endParaRPr lang="en-US">
               <a:solidFill>
@@ -6376,7 +6379,7 @@
                 </a:solidFill>
               </a:rPr>
               <a:pPr/>
-              <a:t>9/12/20</a:t>
+              <a:t>10/11/20</a:t>
             </a:fld>
             <a:endParaRPr lang="en-US">
               <a:solidFill>
@@ -6657,7 +6660,7 @@
                 </a:solidFill>
               </a:rPr>
               <a:pPr/>
-              <a:t>9/12/20</a:t>
+              <a:t>10/11/20</a:t>
             </a:fld>
             <a:endParaRPr lang="en-US">
               <a:solidFill>
@@ -7769,7 +7772,7 @@
                 </a:solidFill>
               </a:rPr>
               <a:pPr/>
-              <a:t>9/12/20</a:t>
+              <a:t>10/11/20</a:t>
             </a:fld>
             <a:endParaRPr lang="en-US">
               <a:solidFill>
@@ -7977,7 +7980,7 @@
                 </a:solidFill>
               </a:rPr>
               <a:pPr/>
-              <a:t>9/12/20</a:t>
+              <a:t>10/11/20</a:t>
             </a:fld>
             <a:endParaRPr lang="en-US">
               <a:solidFill>
@@ -15602,7 +15605,7 @@
                 <a:buFontTx/>
                 <a:buNone/>
               </a:pPr>
-              <a:t>9/12/20</a:t>
+              <a:t>10/11/20</a:t>
             </a:fld>
             <a:endParaRPr lang="en-US" kern="1200">
               <a:solidFill>
@@ -16091,15 +16094,7 @@
                 <a:ea typeface="Times New Roman" charset="0"/>
                 <a:cs typeface="Times New Roman" charset="0"/>
               </a:rPr>
-              <a:t>Blue Waters Petascale</a:t>
-            </a:r>
-            <a:r>
-              <a:rPr lang="en-US" sz="3600" b="1" dirty="0">
-                <a:latin typeface="Times New Roman" charset="0"/>
-                <a:ea typeface="Times New Roman" charset="0"/>
-                <a:cs typeface="Times New Roman" charset="0"/>
-              </a:rPr>
-              <a:t> Semester Curriculum v1.0</a:t>
+              <a:t>Blue Waters Petascale Semester Curriculum v1.0</a:t>
             </a:r>
             <a:r>
               <a:rPr lang="en-US" sz="3600" dirty="0">
@@ -16193,11 +16188,6 @@
               </a:rPr>
               <a:t>for the Shodor Education Foundation, Inc.</a:t>
             </a:r>
-            <a:endParaRPr lang="en-US" sz="3600" i="1" dirty="0">
-              <a:latin typeface="Times New Roman" charset="0"/>
-              <a:ea typeface="Times New Roman" charset="0"/>
-              <a:cs typeface="Times New Roman" charset="0"/>
-            </a:endParaRPr>
           </a:p>
         </p:txBody>
       </p:sp>
@@ -19499,7 +19489,7 @@
         </p:nvSpPr>
         <p:spPr>
           <a:xfrm>
-            <a:off x="754744" y="0"/>
+            <a:off x="754743" y="0"/>
             <a:ext cx="10682515" cy="6858000"/>
           </a:xfrm>
         </p:spPr>
@@ -19546,7 +19536,23 @@
                 <a:ea typeface="Times New Roman" charset="0"/>
                 <a:cs typeface="Times New Roman" charset="0"/>
               </a:rPr>
-              <a:t>CC BY-NC 4.0. To view a copy of this license, visit </a:t>
+              <a:t>CC </a:t>
+            </a:r>
+            <a:r>
+              <a:rPr lang="en-US" sz="2800" dirty="0">
+                <a:latin typeface="Times New Roman" charset="0"/>
+                <a:ea typeface="Times New Roman" charset="0"/>
+                <a:cs typeface="Times New Roman" charset="0"/>
+              </a:rPr>
+              <a:t>BY-SA </a:t>
+            </a:r>
+            <a:r>
+              <a:rPr lang="en-US" sz="2800" dirty="0">
+                <a:latin typeface="Times New Roman" charset="0"/>
+                <a:ea typeface="Times New Roman" charset="0"/>
+                <a:cs typeface="Times New Roman" charset="0"/>
+              </a:rPr>
+              <a:t>4.0. To view a copy of this license, visit </a:t>
             </a:r>
             <a:r>
               <a:rPr lang="en-US" sz="2800" dirty="0">
@@ -19555,7 +19561,16 @@
                 <a:cs typeface="Times New Roman" charset="0"/>
                 <a:hlinkClick r:id="rId2"/>
               </a:rPr>
-              <a:t>https://creativecommons.org/licenses/by-nc/4.0</a:t>
+              <a:t>https://</a:t>
+            </a:r>
+            <a:r>
+              <a:rPr lang="en-US" sz="2800" dirty="0">
+                <a:latin typeface="Times New Roman" charset="0"/>
+                <a:ea typeface="Times New Roman" charset="0"/>
+                <a:cs typeface="Times New Roman" charset="0"/>
+                <a:hlinkClick r:id="rId2"/>
+              </a:rPr>
+              <a:t>creativecommons.org/licenses/by-sa/4.0</a:t>
             </a:r>
             <a:r>
               <a:rPr lang="en-US" sz="2800" dirty="0">
@@ -19709,7 +19724,7 @@
     </p:spTree>
     <p:extLst>
       <p:ext uri="{BB962C8B-B14F-4D97-AF65-F5344CB8AC3E}">
-        <p14:creationId xmlns:p14="http://schemas.microsoft.com/office/powerpoint/2010/main" val="1015650713"/>
+        <p14:creationId xmlns:p14="http://schemas.microsoft.com/office/powerpoint/2010/main" val="870282309"/>
       </p:ext>
     </p:extLst>
   </p:cSld>
@@ -19786,7 +19801,7 @@
               <a:rPr lang="en-US" smtClean="0">
                 <a:extLst>
                   <a:ext uri="http://customooxmlschemas.google.com/">
-                    <go:slidesCustomData xmlns:go="http://customooxmlschemas.google.com/" xmlns:p15="http://schemas.microsoft.com/office/powerpoint/2012/main" xmlns:p14="http://schemas.microsoft.com/office/powerpoint/2010/main" xmlns:com="http://schemas.openxmlformats.org/drawingml/2006/compatibility" xmlns:pvml="urn:schemas-microsoft-com:office:powerpoint" xmlns:v="urn:schemas-microsoft-com:vml" xmlns:o="urn:schemas-microsoft-com:office:office" xmlns:dgm="http://schemas.openxmlformats.org/drawingml/2006/diagram" xmlns:c="http://schemas.openxmlformats.org/drawingml/2006/chart" xmlns:mv="urn:schemas-microsoft-com:mac:vml" xmlns:mc="http://schemas.openxmlformats.org/markup-compatibility/2006" xmlns="" textRoundtripDataId="0"/>
+                    <go:slidesCustomData xmlns="" xmlns:mc="http://schemas.openxmlformats.org/markup-compatibility/2006" xmlns:mv="urn:schemas-microsoft-com:mac:vml" xmlns:c="http://schemas.openxmlformats.org/drawingml/2006/chart" xmlns:dgm="http://schemas.openxmlformats.org/drawingml/2006/diagram" xmlns:o="urn:schemas-microsoft-com:office:office" xmlns:v="urn:schemas-microsoft-com:vml" xmlns:pvml="urn:schemas-microsoft-com:office:powerpoint" xmlns:com="http://schemas.openxmlformats.org/drawingml/2006/compatibility" xmlns:p14="http://schemas.microsoft.com/office/powerpoint/2010/main" xmlns:p15="http://schemas.microsoft.com/office/powerpoint/2012/main" xmlns:go="http://customooxmlschemas.google.com/" textRoundtripDataId="0"/>
                   </a:ext>
                 </a:extLst>
               </a:rPr>
@@ -19796,7 +19811,7 @@
               <a:rPr lang="en-US" dirty="0">
                 <a:extLst>
                   <a:ext uri="http://customooxmlschemas.google.com/">
-                    <go:slidesCustomData xmlns:go="http://customooxmlschemas.google.com/" xmlns:p15="http://schemas.microsoft.com/office/powerpoint/2012/main" xmlns:p14="http://schemas.microsoft.com/office/powerpoint/2010/main" xmlns:com="http://schemas.openxmlformats.org/drawingml/2006/compatibility" xmlns:pvml="urn:schemas-microsoft-com:office:powerpoint" xmlns:v="urn:schemas-microsoft-com:vml" xmlns:o="urn:schemas-microsoft-com:office:office" xmlns:dgm="http://schemas.openxmlformats.org/drawingml/2006/diagram" xmlns:c="http://schemas.openxmlformats.org/drawingml/2006/chart" xmlns:mv="urn:schemas-microsoft-com:mac:vml" xmlns:mc="http://schemas.openxmlformats.org/markup-compatibility/2006" xmlns="" textRoundtripDataId="0"/>
+                    <go:slidesCustomData xmlns="" xmlns:mc="http://schemas.openxmlformats.org/markup-compatibility/2006" xmlns:mv="urn:schemas-microsoft-com:mac:vml" xmlns:c="http://schemas.openxmlformats.org/drawingml/2006/chart" xmlns:dgm="http://schemas.openxmlformats.org/drawingml/2006/diagram" xmlns:o="urn:schemas-microsoft-com:office:office" xmlns:v="urn:schemas-microsoft-com:vml" xmlns:pvml="urn:schemas-microsoft-com:office:powerpoint" xmlns:com="http://schemas.openxmlformats.org/drawingml/2006/compatibility" xmlns:p14="http://schemas.microsoft.com/office/powerpoint/2010/main" xmlns:p15="http://schemas.microsoft.com/office/powerpoint/2012/main" xmlns:go="http://customooxmlschemas.google.com/" textRoundtripDataId="0"/>
                   </a:ext>
                 </a:extLst>
               </a:rPr>
